--- a/Financial modeling for ITMO.pptx
+++ b/Financial modeling for ITMO.pptx
@@ -5,7 +5,7 @@
     <p:sldMasterId id="2147483659" r:id="rId1"/>
   </p:sldMasterIdLst>
   <p:notesMasterIdLst>
-    <p:notesMasterId r:id="rId24"/>
+    <p:notesMasterId r:id="rId25"/>
   </p:notesMasterIdLst>
   <p:sldIdLst>
     <p:sldId id="256" r:id="rId2"/>
@@ -21,15 +21,16 @@
     <p:sldId id="258" r:id="rId12"/>
     <p:sldId id="263" r:id="rId13"/>
     <p:sldId id="265" r:id="rId14"/>
-    <p:sldId id="262" r:id="rId15"/>
-    <p:sldId id="268" r:id="rId16"/>
-    <p:sldId id="267" r:id="rId17"/>
-    <p:sldId id="266" r:id="rId18"/>
-    <p:sldId id="281" r:id="rId19"/>
-    <p:sldId id="260" r:id="rId20"/>
-    <p:sldId id="278" r:id="rId21"/>
-    <p:sldId id="279" r:id="rId22"/>
-    <p:sldId id="283" r:id="rId23"/>
+    <p:sldId id="285" r:id="rId15"/>
+    <p:sldId id="262" r:id="rId16"/>
+    <p:sldId id="268" r:id="rId17"/>
+    <p:sldId id="267" r:id="rId18"/>
+    <p:sldId id="266" r:id="rId19"/>
+    <p:sldId id="281" r:id="rId20"/>
+    <p:sldId id="260" r:id="rId21"/>
+    <p:sldId id="278" r:id="rId22"/>
+    <p:sldId id="279" r:id="rId23"/>
+    <p:sldId id="283" r:id="rId24"/>
   </p:sldIdLst>
   <p:sldSz cx="9144000" cy="5143500" type="screen16x9"/>
   <p:notesSz cx="6858000" cy="9144000"/>
@@ -2248,6 +2249,140 @@
         <p:cNvPr id="1" name="Shape 56">
           <a:extLst>
             <a:ext uri="{FF2B5EF4-FFF2-40B4-BE49-F238E27FC236}">
+              <a16:creationId xmlns:a16="http://schemas.microsoft.com/office/drawing/2014/main" id="{0076C31A-5FCC-BCCF-510F-57169EF6C17D}"/>
+            </a:ext>
+          </a:extLst>
+        </p:cNvPr>
+        <p:cNvGrpSpPr/>
+        <p:nvPr/>
+      </p:nvGrpSpPr>
+      <p:grpSpPr>
+        <a:xfrm>
+          <a:off x="0" y="0"/>
+          <a:ext cx="0" cy="0"/>
+          <a:chOff x="0" y="0"/>
+          <a:chExt cx="0" cy="0"/>
+        </a:xfrm>
+      </p:grpSpPr>
+      <p:sp>
+        <p:nvSpPr>
+          <p:cNvPr id="57" name="Google Shape;57;g33ad5d5fe6f_0_0:notes">
+            <a:extLst>
+              <a:ext uri="{FF2B5EF4-FFF2-40B4-BE49-F238E27FC236}">
+                <a16:creationId xmlns:a16="http://schemas.microsoft.com/office/drawing/2014/main" id="{34D93E95-B2C1-FDB2-258F-32D160F6827B}"/>
+              </a:ext>
+            </a:extLst>
+          </p:cNvPr>
+          <p:cNvSpPr>
+            <a:spLocks noGrp="1" noRot="1" noChangeAspect="1"/>
+          </p:cNvSpPr>
+          <p:nvPr>
+            <p:ph type="sldImg" idx="2"/>
+          </p:nvPr>
+        </p:nvSpPr>
+        <p:spPr>
+          <a:xfrm>
+            <a:off x="381000" y="685800"/>
+            <a:ext cx="6096000" cy="3429000"/>
+          </a:xfrm>
+          <a:custGeom>
+            <a:avLst/>
+            <a:gdLst/>
+            <a:ahLst/>
+            <a:cxnLst/>
+            <a:rect l="l" t="t" r="r" b="b"/>
+            <a:pathLst>
+              <a:path w="120000" h="120000" extrusionOk="0">
+                <a:moveTo>
+                  <a:pt x="0" y="0"/>
+                </a:moveTo>
+                <a:lnTo>
+                  <a:pt x="120000" y="0"/>
+                </a:lnTo>
+                <a:lnTo>
+                  <a:pt x="120000" y="120000"/>
+                </a:lnTo>
+                <a:lnTo>
+                  <a:pt x="0" y="120000"/>
+                </a:lnTo>
+                <a:close/>
+              </a:path>
+            </a:pathLst>
+          </a:custGeom>
+        </p:spPr>
+        <p:txBody>
+          <a:bodyPr/>
+          <a:lstStyle/>
+          <a:p>
+            <a:endParaRPr lang="en-RU"/>
+          </a:p>
+        </p:txBody>
+      </p:sp>
+      <p:sp>
+        <p:nvSpPr>
+          <p:cNvPr id="58" name="Google Shape;58;g33ad5d5fe6f_0_0:notes">
+            <a:extLst>
+              <a:ext uri="{FF2B5EF4-FFF2-40B4-BE49-F238E27FC236}">
+                <a16:creationId xmlns:a16="http://schemas.microsoft.com/office/drawing/2014/main" id="{67B8B32A-8D0F-E0E7-47D1-D9BF508928BF}"/>
+              </a:ext>
+            </a:extLst>
+          </p:cNvPr>
+          <p:cNvSpPr txBox="1">
+            <a:spLocks noGrp="1"/>
+          </p:cNvSpPr>
+          <p:nvPr>
+            <p:ph type="body" idx="1"/>
+          </p:nvPr>
+        </p:nvSpPr>
+        <p:spPr>
+          <a:xfrm>
+            <a:off x="685800" y="4343400"/>
+            <a:ext cx="5486400" cy="4114800"/>
+          </a:xfrm>
+          <a:prstGeom prst="rect">
+            <a:avLst/>
+          </a:prstGeom>
+        </p:spPr>
+        <p:txBody>
+          <a:bodyPr spcFirstLastPara="1" wrap="square" lIns="91425" tIns="91425" rIns="91425" bIns="91425" anchor="t" anchorCtr="0">
+            <a:noAutofit/>
+          </a:bodyPr>
+          <a:lstStyle/>
+          <a:p>
+            <a:pPr marL="0" lvl="0" indent="0" algn="l" rtl="0">
+              <a:spcBef>
+                <a:spcPts val="0"/>
+              </a:spcBef>
+              <a:spcAft>
+                <a:spcPts val="0"/>
+              </a:spcAft>
+              <a:buNone/>
+            </a:pPr>
+            <a:endParaRPr dirty="0"/>
+          </a:p>
+        </p:txBody>
+      </p:sp>
+    </p:spTree>
+    <p:extLst>
+      <p:ext uri="{BB962C8B-B14F-4D97-AF65-F5344CB8AC3E}">
+        <p14:creationId xmlns:p14="http://schemas.microsoft.com/office/powerpoint/2010/main" val="1612433350"/>
+      </p:ext>
+    </p:extLst>
+  </p:cSld>
+  <p:clrMapOvr>
+    <a:masterClrMapping/>
+  </p:clrMapOvr>
+</p:notes>
+</file>
+
+<file path=ppt/notesSlides/notesSlide15.xml><?xml version="1.0" encoding="utf-8"?>
+<p:notes xmlns:a="http://schemas.openxmlformats.org/drawingml/2006/main" xmlns:r="http://schemas.openxmlformats.org/officeDocument/2006/relationships" xmlns:p="http://schemas.openxmlformats.org/presentationml/2006/main" showMasterSp="0" showMasterPhAnim="0">
+  <p:cSld>
+    <p:spTree>
+      <p:nvGrpSpPr>
+        <p:cNvPr id="1" name="Shape 56">
+          <a:extLst>
+            <a:ext uri="{FF2B5EF4-FFF2-40B4-BE49-F238E27FC236}">
               <a16:creationId xmlns:a16="http://schemas.microsoft.com/office/drawing/2014/main" id="{797AAE5D-0B6B-D7EA-6780-307F192DD5C0}"/>
             </a:ext>
           </a:extLst>
@@ -2374,7 +2509,7 @@
 </p:notes>
 </file>
 
-<file path=ppt/notesSlides/notesSlide15.xml><?xml version="1.0" encoding="utf-8"?>
+<file path=ppt/notesSlides/notesSlide16.xml><?xml version="1.0" encoding="utf-8"?>
 <p:notes xmlns:a="http://schemas.openxmlformats.org/drawingml/2006/main" xmlns:r="http://schemas.openxmlformats.org/officeDocument/2006/relationships" xmlns:p="http://schemas.openxmlformats.org/presentationml/2006/main" showMasterSp="0" showMasterPhAnim="0">
   <p:cSld>
     <p:spTree>
@@ -2508,7 +2643,7 @@
 </p:notes>
 </file>
 
-<file path=ppt/notesSlides/notesSlide16.xml><?xml version="1.0" encoding="utf-8"?>
+<file path=ppt/notesSlides/notesSlide17.xml><?xml version="1.0" encoding="utf-8"?>
 <p:notes xmlns:a="http://schemas.openxmlformats.org/drawingml/2006/main" xmlns:r="http://schemas.openxmlformats.org/officeDocument/2006/relationships" xmlns:p="http://schemas.openxmlformats.org/presentationml/2006/main" showMasterSp="0" showMasterPhAnim="0">
   <p:cSld>
     <p:spTree>
@@ -2642,7 +2777,7 @@
 </p:notes>
 </file>
 
-<file path=ppt/notesSlides/notesSlide17.xml><?xml version="1.0" encoding="utf-8"?>
+<file path=ppt/notesSlides/notesSlide18.xml><?xml version="1.0" encoding="utf-8"?>
 <p:notes xmlns:a="http://schemas.openxmlformats.org/drawingml/2006/main" xmlns:r="http://schemas.openxmlformats.org/officeDocument/2006/relationships" xmlns:p="http://schemas.openxmlformats.org/presentationml/2006/main" showMasterSp="0" showMasterPhAnim="0">
   <p:cSld>
     <p:spTree>
@@ -2776,7 +2911,7 @@
 </p:notes>
 </file>
 
-<file path=ppt/notesSlides/notesSlide18.xml><?xml version="1.0" encoding="utf-8"?>
+<file path=ppt/notesSlides/notesSlide19.xml><?xml version="1.0" encoding="utf-8"?>
 <p:notes xmlns:a="http://schemas.openxmlformats.org/drawingml/2006/main" xmlns:r="http://schemas.openxmlformats.org/officeDocument/2006/relationships" xmlns:p="http://schemas.openxmlformats.org/presentationml/2006/main" showMasterSp="0" showMasterPhAnim="0">
   <p:cSld>
     <p:spTree>
@@ -2901,140 +3036,6 @@
     <p:extLst>
       <p:ext uri="{BB962C8B-B14F-4D97-AF65-F5344CB8AC3E}">
         <p14:creationId xmlns:p14="http://schemas.microsoft.com/office/powerpoint/2010/main" val="2769200195"/>
-      </p:ext>
-    </p:extLst>
-  </p:cSld>
-  <p:clrMapOvr>
-    <a:masterClrMapping/>
-  </p:clrMapOvr>
-</p:notes>
-</file>
-
-<file path=ppt/notesSlides/notesSlide19.xml><?xml version="1.0" encoding="utf-8"?>
-<p:notes xmlns:a="http://schemas.openxmlformats.org/drawingml/2006/main" xmlns:r="http://schemas.openxmlformats.org/officeDocument/2006/relationships" xmlns:p="http://schemas.openxmlformats.org/presentationml/2006/main" showMasterSp="0" showMasterPhAnim="0">
-  <p:cSld>
-    <p:spTree>
-      <p:nvGrpSpPr>
-        <p:cNvPr id="1" name="Shape 56">
-          <a:extLst>
-            <a:ext uri="{FF2B5EF4-FFF2-40B4-BE49-F238E27FC236}">
-              <a16:creationId xmlns:a16="http://schemas.microsoft.com/office/drawing/2014/main" id="{BFED4B43-6DAF-668A-4BB5-6968E9F091D8}"/>
-            </a:ext>
-          </a:extLst>
-        </p:cNvPr>
-        <p:cNvGrpSpPr/>
-        <p:nvPr/>
-      </p:nvGrpSpPr>
-      <p:grpSpPr>
-        <a:xfrm>
-          <a:off x="0" y="0"/>
-          <a:ext cx="0" cy="0"/>
-          <a:chOff x="0" y="0"/>
-          <a:chExt cx="0" cy="0"/>
-        </a:xfrm>
-      </p:grpSpPr>
-      <p:sp>
-        <p:nvSpPr>
-          <p:cNvPr id="57" name="Google Shape;57;g33ad5d5fe6f_0_0:notes">
-            <a:extLst>
-              <a:ext uri="{FF2B5EF4-FFF2-40B4-BE49-F238E27FC236}">
-                <a16:creationId xmlns:a16="http://schemas.microsoft.com/office/drawing/2014/main" id="{D59714E9-8553-5AA9-0EE4-D0F1857ACBE6}"/>
-              </a:ext>
-            </a:extLst>
-          </p:cNvPr>
-          <p:cNvSpPr>
-            <a:spLocks noGrp="1" noRot="1" noChangeAspect="1"/>
-          </p:cNvSpPr>
-          <p:nvPr>
-            <p:ph type="sldImg" idx="2"/>
-          </p:nvPr>
-        </p:nvSpPr>
-        <p:spPr>
-          <a:xfrm>
-            <a:off x="381000" y="685800"/>
-            <a:ext cx="6096000" cy="3429000"/>
-          </a:xfrm>
-          <a:custGeom>
-            <a:avLst/>
-            <a:gdLst/>
-            <a:ahLst/>
-            <a:cxnLst/>
-            <a:rect l="l" t="t" r="r" b="b"/>
-            <a:pathLst>
-              <a:path w="120000" h="120000" extrusionOk="0">
-                <a:moveTo>
-                  <a:pt x="0" y="0"/>
-                </a:moveTo>
-                <a:lnTo>
-                  <a:pt x="120000" y="0"/>
-                </a:lnTo>
-                <a:lnTo>
-                  <a:pt x="120000" y="120000"/>
-                </a:lnTo>
-                <a:lnTo>
-                  <a:pt x="0" y="120000"/>
-                </a:lnTo>
-                <a:close/>
-              </a:path>
-            </a:pathLst>
-          </a:custGeom>
-        </p:spPr>
-        <p:txBody>
-          <a:bodyPr/>
-          <a:lstStyle/>
-          <a:p>
-            <a:endParaRPr lang="en-RU"/>
-          </a:p>
-        </p:txBody>
-      </p:sp>
-      <p:sp>
-        <p:nvSpPr>
-          <p:cNvPr id="58" name="Google Shape;58;g33ad5d5fe6f_0_0:notes">
-            <a:extLst>
-              <a:ext uri="{FF2B5EF4-FFF2-40B4-BE49-F238E27FC236}">
-                <a16:creationId xmlns:a16="http://schemas.microsoft.com/office/drawing/2014/main" id="{7891EC1A-21D3-63A7-F0E4-27285A9ED313}"/>
-              </a:ext>
-            </a:extLst>
-          </p:cNvPr>
-          <p:cNvSpPr txBox="1">
-            <a:spLocks noGrp="1"/>
-          </p:cNvSpPr>
-          <p:nvPr>
-            <p:ph type="body" idx="1"/>
-          </p:nvPr>
-        </p:nvSpPr>
-        <p:spPr>
-          <a:xfrm>
-            <a:off x="685800" y="4343400"/>
-            <a:ext cx="5486400" cy="4114800"/>
-          </a:xfrm>
-          <a:prstGeom prst="rect">
-            <a:avLst/>
-          </a:prstGeom>
-        </p:spPr>
-        <p:txBody>
-          <a:bodyPr spcFirstLastPara="1" wrap="square" lIns="91425" tIns="91425" rIns="91425" bIns="91425" anchor="t" anchorCtr="0">
-            <a:noAutofit/>
-          </a:bodyPr>
-          <a:lstStyle/>
-          <a:p>
-            <a:pPr marL="0" lvl="0" indent="0" algn="l" rtl="0">
-              <a:spcBef>
-                <a:spcPts val="0"/>
-              </a:spcBef>
-              <a:spcAft>
-                <a:spcPts val="0"/>
-              </a:spcAft>
-              <a:buNone/>
-            </a:pPr>
-            <a:endParaRPr/>
-          </a:p>
-        </p:txBody>
-      </p:sp>
-    </p:spTree>
-    <p:extLst>
-      <p:ext uri="{BB962C8B-B14F-4D97-AF65-F5344CB8AC3E}">
-        <p14:creationId xmlns:p14="http://schemas.microsoft.com/office/powerpoint/2010/main" val="480052194"/>
       </p:ext>
     </p:extLst>
   </p:cSld>
@@ -3186,6 +3187,140 @@
         <p:cNvPr id="1" name="Shape 56">
           <a:extLst>
             <a:ext uri="{FF2B5EF4-FFF2-40B4-BE49-F238E27FC236}">
+              <a16:creationId xmlns:a16="http://schemas.microsoft.com/office/drawing/2014/main" id="{BFED4B43-6DAF-668A-4BB5-6968E9F091D8}"/>
+            </a:ext>
+          </a:extLst>
+        </p:cNvPr>
+        <p:cNvGrpSpPr/>
+        <p:nvPr/>
+      </p:nvGrpSpPr>
+      <p:grpSpPr>
+        <a:xfrm>
+          <a:off x="0" y="0"/>
+          <a:ext cx="0" cy="0"/>
+          <a:chOff x="0" y="0"/>
+          <a:chExt cx="0" cy="0"/>
+        </a:xfrm>
+      </p:grpSpPr>
+      <p:sp>
+        <p:nvSpPr>
+          <p:cNvPr id="57" name="Google Shape;57;g33ad5d5fe6f_0_0:notes">
+            <a:extLst>
+              <a:ext uri="{FF2B5EF4-FFF2-40B4-BE49-F238E27FC236}">
+                <a16:creationId xmlns:a16="http://schemas.microsoft.com/office/drawing/2014/main" id="{D59714E9-8553-5AA9-0EE4-D0F1857ACBE6}"/>
+              </a:ext>
+            </a:extLst>
+          </p:cNvPr>
+          <p:cNvSpPr>
+            <a:spLocks noGrp="1" noRot="1" noChangeAspect="1"/>
+          </p:cNvSpPr>
+          <p:nvPr>
+            <p:ph type="sldImg" idx="2"/>
+          </p:nvPr>
+        </p:nvSpPr>
+        <p:spPr>
+          <a:xfrm>
+            <a:off x="381000" y="685800"/>
+            <a:ext cx="6096000" cy="3429000"/>
+          </a:xfrm>
+          <a:custGeom>
+            <a:avLst/>
+            <a:gdLst/>
+            <a:ahLst/>
+            <a:cxnLst/>
+            <a:rect l="l" t="t" r="r" b="b"/>
+            <a:pathLst>
+              <a:path w="120000" h="120000" extrusionOk="0">
+                <a:moveTo>
+                  <a:pt x="0" y="0"/>
+                </a:moveTo>
+                <a:lnTo>
+                  <a:pt x="120000" y="0"/>
+                </a:lnTo>
+                <a:lnTo>
+                  <a:pt x="120000" y="120000"/>
+                </a:lnTo>
+                <a:lnTo>
+                  <a:pt x="0" y="120000"/>
+                </a:lnTo>
+                <a:close/>
+              </a:path>
+            </a:pathLst>
+          </a:custGeom>
+        </p:spPr>
+        <p:txBody>
+          <a:bodyPr/>
+          <a:lstStyle/>
+          <a:p>
+            <a:endParaRPr lang="en-RU"/>
+          </a:p>
+        </p:txBody>
+      </p:sp>
+      <p:sp>
+        <p:nvSpPr>
+          <p:cNvPr id="58" name="Google Shape;58;g33ad5d5fe6f_0_0:notes">
+            <a:extLst>
+              <a:ext uri="{FF2B5EF4-FFF2-40B4-BE49-F238E27FC236}">
+                <a16:creationId xmlns:a16="http://schemas.microsoft.com/office/drawing/2014/main" id="{7891EC1A-21D3-63A7-F0E4-27285A9ED313}"/>
+              </a:ext>
+            </a:extLst>
+          </p:cNvPr>
+          <p:cNvSpPr txBox="1">
+            <a:spLocks noGrp="1"/>
+          </p:cNvSpPr>
+          <p:nvPr>
+            <p:ph type="body" idx="1"/>
+          </p:nvPr>
+        </p:nvSpPr>
+        <p:spPr>
+          <a:xfrm>
+            <a:off x="685800" y="4343400"/>
+            <a:ext cx="5486400" cy="4114800"/>
+          </a:xfrm>
+          <a:prstGeom prst="rect">
+            <a:avLst/>
+          </a:prstGeom>
+        </p:spPr>
+        <p:txBody>
+          <a:bodyPr spcFirstLastPara="1" wrap="square" lIns="91425" tIns="91425" rIns="91425" bIns="91425" anchor="t" anchorCtr="0">
+            <a:noAutofit/>
+          </a:bodyPr>
+          <a:lstStyle/>
+          <a:p>
+            <a:pPr marL="0" lvl="0" indent="0" algn="l" rtl="0">
+              <a:spcBef>
+                <a:spcPts val="0"/>
+              </a:spcBef>
+              <a:spcAft>
+                <a:spcPts val="0"/>
+              </a:spcAft>
+              <a:buNone/>
+            </a:pPr>
+            <a:endParaRPr/>
+          </a:p>
+        </p:txBody>
+      </p:sp>
+    </p:spTree>
+    <p:extLst>
+      <p:ext uri="{BB962C8B-B14F-4D97-AF65-F5344CB8AC3E}">
+        <p14:creationId xmlns:p14="http://schemas.microsoft.com/office/powerpoint/2010/main" val="480052194"/>
+      </p:ext>
+    </p:extLst>
+  </p:cSld>
+  <p:clrMapOvr>
+    <a:masterClrMapping/>
+  </p:clrMapOvr>
+</p:notes>
+</file>
+
+<file path=ppt/notesSlides/notesSlide21.xml><?xml version="1.0" encoding="utf-8"?>
+<p:notes xmlns:a="http://schemas.openxmlformats.org/drawingml/2006/main" xmlns:r="http://schemas.openxmlformats.org/officeDocument/2006/relationships" xmlns:p="http://schemas.openxmlformats.org/presentationml/2006/main" showMasterSp="0" showMasterPhAnim="0">
+  <p:cSld>
+    <p:spTree>
+      <p:nvGrpSpPr>
+        <p:cNvPr id="1" name="Shape 56">
+          <a:extLst>
+            <a:ext uri="{FF2B5EF4-FFF2-40B4-BE49-F238E27FC236}">
               <a16:creationId xmlns:a16="http://schemas.microsoft.com/office/drawing/2014/main" id="{BB74B53C-237E-0294-0F6F-6B7FCA6025B9}"/>
             </a:ext>
           </a:extLst>
@@ -3312,7 +3447,7 @@
 </p:notes>
 </file>
 
-<file path=ppt/notesSlides/notesSlide21.xml><?xml version="1.0" encoding="utf-8"?>
+<file path=ppt/notesSlides/notesSlide22.xml><?xml version="1.0" encoding="utf-8"?>
 <p:notes xmlns:a="http://schemas.openxmlformats.org/drawingml/2006/main" xmlns:r="http://schemas.openxmlformats.org/officeDocument/2006/relationships" xmlns:p="http://schemas.openxmlformats.org/presentationml/2006/main" showMasterSp="0" showMasterPhAnim="0">
   <p:cSld>
     <p:spTree>
@@ -3446,7 +3581,7 @@
 </p:notes>
 </file>
 
-<file path=ppt/notesSlides/notesSlide22.xml><?xml version="1.0" encoding="utf-8"?>
+<file path=ppt/notesSlides/notesSlide23.xml><?xml version="1.0" encoding="utf-8"?>
 <p:notes xmlns:a="http://schemas.openxmlformats.org/drawingml/2006/main" xmlns:r="http://schemas.openxmlformats.org/officeDocument/2006/relationships" xmlns:p="http://schemas.openxmlformats.org/presentationml/2006/main" showMasterSp="0" showMasterPhAnim="0">
   <p:cSld>
     <p:spTree>
@@ -9756,8 +9891,8 @@
           </a:p>
         </p:txBody>
       </p:sp>
-      <mc:AlternateContent xmlns:mc="http://schemas.openxmlformats.org/markup-compatibility/2006">
-        <mc:Choice xmlns:a14="http://schemas.microsoft.com/office/drawing/2010/main" Requires="a14">
+      <mc:AlternateContent xmlns:mc="http://schemas.openxmlformats.org/markup-compatibility/2006" xmlns:a14="http://schemas.microsoft.com/office/drawing/2010/main">
+        <mc:Choice Requires="a14">
           <p:sp>
             <p:nvSpPr>
               <p:cNvPr id="3" name="TextBox 2">
@@ -9786,6 +9921,7 @@
               </a:bodyPr>
               <a:lstStyle/>
               <a:p>
+                <a:pPr/>
                 <a14:m>
                   <m:oMathPara xmlns:m="http://schemas.openxmlformats.org/officeDocument/2006/math">
                     <m:oMathParaPr>
@@ -9914,7 +10050,7 @@
             </p:txBody>
           </p:sp>
         </mc:Choice>
-        <mc:Fallback>
+        <mc:Fallback xmlns="">
           <p:sp>
             <p:nvSpPr>
               <p:cNvPr id="3" name="TextBox 2">
@@ -10183,8 +10319,8 @@
           </a:p>
         </p:txBody>
       </p:sp>
-      <mc:AlternateContent xmlns:mc="http://schemas.openxmlformats.org/markup-compatibility/2006">
-        <mc:Choice xmlns:a14="http://schemas.microsoft.com/office/drawing/2010/main" Requires="a14">
+      <mc:AlternateContent xmlns:mc="http://schemas.openxmlformats.org/markup-compatibility/2006" xmlns:a14="http://schemas.microsoft.com/office/drawing/2010/main">
+        <mc:Choice Requires="a14">
           <p:graphicFrame>
             <p:nvGraphicFramePr>
               <p:cNvPr id="5" name="Table 4">
@@ -10969,7 +11105,7 @@
             </a:graphic>
           </p:graphicFrame>
         </mc:Choice>
-        <mc:Fallback>
+        <mc:Fallback xmlns="">
           <p:graphicFrame>
             <p:nvGraphicFramePr>
               <p:cNvPr id="5" name="Table 4">
@@ -11687,8 +11823,8 @@
           </p:graphicFrame>
         </mc:Fallback>
       </mc:AlternateContent>
-      <mc:AlternateContent xmlns:mc="http://schemas.openxmlformats.org/markup-compatibility/2006">
-        <mc:Choice xmlns:a14="http://schemas.microsoft.com/office/drawing/2010/main" Requires="a14">
+      <mc:AlternateContent xmlns:mc="http://schemas.openxmlformats.org/markup-compatibility/2006" xmlns:a14="http://schemas.microsoft.com/office/drawing/2010/main">
+        <mc:Choice Requires="a14">
           <p:sp>
             <p:nvSpPr>
               <p:cNvPr id="8" name="TextBox 7">
@@ -11717,6 +11853,7 @@
               </a:bodyPr>
               <a:lstStyle/>
               <a:p>
+                <a:pPr/>
                 <a14:m>
                   <m:oMathPara xmlns:m="http://schemas.openxmlformats.org/officeDocument/2006/math">
                     <m:oMathParaPr>
@@ -11793,16 +11930,7 @@
                                 <a:rPr lang="en-US" sz="2000" i="1">
                                   <a:latin typeface="Cambria Math" panose="02040503050406030204" pitchFamily="18" charset="0"/>
                                 </a:rPr>
-                                <m:t>F</m:t>
-                              </m:r>
-                              <m:r>
-                                <m:rPr>
-                                  <m:sty m:val="p"/>
-                                </m:rPr>
-                                <a:rPr lang="en-US" sz="2000" i="1">
-                                  <a:latin typeface="Cambria Math" panose="02040503050406030204" pitchFamily="18" charset="0"/>
-                                </a:rPr>
-                                <m:t>CF</m:t>
+                                <m:t>FCF</m:t>
                               </m:r>
                               <m:r>
                                 <m:rPr>
@@ -11854,7 +11982,7 @@
             </p:txBody>
           </p:sp>
         </mc:Choice>
-        <mc:Fallback>
+        <mc:Fallback xmlns="">
           <p:sp>
             <p:nvSpPr>
               <p:cNvPr id="8" name="TextBox 7">
@@ -12039,8 +12167,8 @@
           </a:p>
         </p:txBody>
       </p:sp>
-      <mc:AlternateContent xmlns:mc="http://schemas.openxmlformats.org/markup-compatibility/2006">
-        <mc:Choice xmlns:a14="http://schemas.microsoft.com/office/drawing/2010/main" Requires="a14">
+      <mc:AlternateContent xmlns:mc="http://schemas.openxmlformats.org/markup-compatibility/2006" xmlns:a14="http://schemas.microsoft.com/office/drawing/2010/main">
+        <mc:Choice Requires="a14">
           <p:graphicFrame>
             <p:nvGraphicFramePr>
               <p:cNvPr id="5" name="Table 4">
@@ -12825,7 +12953,7 @@
             </a:graphic>
           </p:graphicFrame>
         </mc:Choice>
-        <mc:Fallback>
+        <mc:Fallback xmlns="">
           <p:graphicFrame>
             <p:nvGraphicFramePr>
               <p:cNvPr id="5" name="Table 4">
@@ -13595,8 +13723,8 @@
           </a:p>
         </p:txBody>
       </p:sp>
-      <mc:AlternateContent xmlns:mc="http://schemas.openxmlformats.org/markup-compatibility/2006">
-        <mc:Choice xmlns:a14="http://schemas.microsoft.com/office/drawing/2010/main" Requires="a14">
+      <mc:AlternateContent xmlns:mc="http://schemas.openxmlformats.org/markup-compatibility/2006" xmlns:a14="http://schemas.microsoft.com/office/drawing/2010/main">
+        <mc:Choice Requires="a14">
           <p:sp>
             <p:nvSpPr>
               <p:cNvPr id="4" name="TextBox 3">
@@ -13625,6 +13753,7 @@
               </a:bodyPr>
               <a:lstStyle/>
               <a:p>
+                <a:pPr/>
                 <a14:m>
                   <m:oMathPara xmlns:m="http://schemas.openxmlformats.org/officeDocument/2006/math">
                     <m:oMathParaPr>
@@ -13753,7 +13882,7 @@
             </p:txBody>
           </p:sp>
         </mc:Choice>
-        <mc:Fallback>
+        <mc:Fallback xmlns="">
           <p:sp>
             <p:nvSpPr>
               <p:cNvPr id="4" name="TextBox 3">
@@ -13871,6 +14000,401 @@
         <p:cNvPr id="1" name="Shape 59">
           <a:extLst>
             <a:ext uri="{FF2B5EF4-FFF2-40B4-BE49-F238E27FC236}">
+              <a16:creationId xmlns:a16="http://schemas.microsoft.com/office/drawing/2014/main" id="{6EEA9056-F8E9-2CA1-B683-D6DA09DA1A41}"/>
+            </a:ext>
+          </a:extLst>
+        </p:cNvPr>
+        <p:cNvGrpSpPr/>
+        <p:nvPr/>
+      </p:nvGrpSpPr>
+      <p:grpSpPr>
+        <a:xfrm>
+          <a:off x="0" y="0"/>
+          <a:ext cx="0" cy="0"/>
+          <a:chOff x="0" y="0"/>
+          <a:chExt cx="0" cy="0"/>
+        </a:xfrm>
+      </p:grpSpPr>
+      <p:sp>
+        <p:nvSpPr>
+          <p:cNvPr id="60" name="Google Shape;60;p14">
+            <a:extLst>
+              <a:ext uri="{FF2B5EF4-FFF2-40B4-BE49-F238E27FC236}">
+                <a16:creationId xmlns:a16="http://schemas.microsoft.com/office/drawing/2014/main" id="{F900AF1C-D5F0-3D2B-3C28-74F6DDADB040}"/>
+              </a:ext>
+            </a:extLst>
+          </p:cNvPr>
+          <p:cNvSpPr txBox="1">
+            <a:spLocks noGrp="1"/>
+          </p:cNvSpPr>
+          <p:nvPr>
+            <p:ph type="title"/>
+          </p:nvPr>
+        </p:nvSpPr>
+        <p:spPr>
+          <a:xfrm>
+            <a:off x="311700" y="424928"/>
+            <a:ext cx="8520600" cy="572700"/>
+          </a:xfrm>
+          <a:prstGeom prst="rect">
+            <a:avLst/>
+          </a:prstGeom>
+        </p:spPr>
+        <p:txBody>
+          <a:bodyPr spcFirstLastPara="1" wrap="square" lIns="91425" tIns="91425" rIns="91425" bIns="91425" anchor="t" anchorCtr="0">
+            <a:normAutofit fontScale="90000"/>
+          </a:bodyPr>
+          <a:lstStyle/>
+          <a:p>
+            <a:pPr marL="0" lvl="0" indent="0" algn="l" rtl="0">
+              <a:spcBef>
+                <a:spcPts val="0"/>
+              </a:spcBef>
+              <a:spcAft>
+                <a:spcPts val="0"/>
+              </a:spcAft>
+              <a:buNone/>
+            </a:pPr>
+            <a:r>
+              <a:rPr lang="en-US" b="1" dirty="0"/>
+              <a:t>FCF: TV</a:t>
+            </a:r>
+            <a:endParaRPr b="1" dirty="0"/>
+          </a:p>
+        </p:txBody>
+      </p:sp>
+      <p:sp>
+        <p:nvSpPr>
+          <p:cNvPr id="2" name="TextBox 1">
+            <a:extLst>
+              <a:ext uri="{FF2B5EF4-FFF2-40B4-BE49-F238E27FC236}">
+                <a16:creationId xmlns:a16="http://schemas.microsoft.com/office/drawing/2014/main" id="{1401C6CB-E479-58B4-CE8B-3A72F4D6FEDB}"/>
+              </a:ext>
+            </a:extLst>
+          </p:cNvPr>
+          <p:cNvSpPr txBox="1"/>
+          <p:nvPr/>
+        </p:nvSpPr>
+        <p:spPr>
+          <a:xfrm>
+            <a:off x="311700" y="1071154"/>
+            <a:ext cx="8360228" cy="738664"/>
+          </a:xfrm>
+          <a:prstGeom prst="rect">
+            <a:avLst/>
+          </a:prstGeom>
+          <a:noFill/>
+        </p:spPr>
+        <p:txBody>
+          <a:bodyPr wrap="square" rtlCol="0">
+            <a:spAutoFit/>
+          </a:bodyPr>
+          <a:lstStyle/>
+          <a:p>
+            <a:r>
+              <a:rPr lang="en-GB" b="1" dirty="0"/>
+              <a:t>TV (Terminal Value) </a:t>
+            </a:r>
+            <a:r>
+              <a:rPr lang="en-GB" dirty="0"/>
+              <a:t>— </a:t>
+            </a:r>
+            <a:r>
+              <a:rPr lang="ru-RU" dirty="0"/>
+              <a:t>это стоимость всех будущих денежных потоков компании за пределами прогнозного периода </a:t>
+            </a:r>
+            <a:r>
+              <a:rPr lang="en-US" dirty="0"/>
+              <a:t>(</a:t>
+            </a:r>
+            <a:r>
+              <a:rPr lang="ru-RU" dirty="0"/>
+              <a:t>момент, с которого денежные потоки будут стабильны и будут меняться стабильно</a:t>
+            </a:r>
+            <a:endParaRPr lang="en-RU" dirty="0"/>
+          </a:p>
+        </p:txBody>
+      </p:sp>
+      <p:pic>
+        <p:nvPicPr>
+          <p:cNvPr id="7" name="Picture 6">
+            <a:extLst>
+              <a:ext uri="{FF2B5EF4-FFF2-40B4-BE49-F238E27FC236}">
+                <a16:creationId xmlns:a16="http://schemas.microsoft.com/office/drawing/2014/main" id="{8B8F6C70-97C4-79DF-3DE8-F0C3BA546A67}"/>
+              </a:ext>
+            </a:extLst>
+          </p:cNvPr>
+          <p:cNvPicPr>
+            <a:picLocks noChangeAspect="1"/>
+          </p:cNvPicPr>
+          <p:nvPr/>
+        </p:nvPicPr>
+        <p:blipFill>
+          <a:blip r:embed="rId3"/>
+          <a:stretch>
+            <a:fillRect/>
+          </a:stretch>
+        </p:blipFill>
+        <p:spPr>
+          <a:xfrm>
+            <a:off x="3163934" y="2519161"/>
+            <a:ext cx="2209255" cy="756594"/>
+          </a:xfrm>
+          <a:prstGeom prst="rect">
+            <a:avLst/>
+          </a:prstGeom>
+        </p:spPr>
+      </p:pic>
+      <p:sp>
+        <p:nvSpPr>
+          <p:cNvPr id="8" name="TextBox 7">
+            <a:extLst>
+              <a:ext uri="{FF2B5EF4-FFF2-40B4-BE49-F238E27FC236}">
+                <a16:creationId xmlns:a16="http://schemas.microsoft.com/office/drawing/2014/main" id="{075D1377-B7D0-4F1B-F431-75E883090A41}"/>
+              </a:ext>
+            </a:extLst>
+          </p:cNvPr>
+          <p:cNvSpPr txBox="1"/>
+          <p:nvPr/>
+        </p:nvSpPr>
+        <p:spPr>
+          <a:xfrm>
+            <a:off x="311700" y="2068217"/>
+            <a:ext cx="8360228" cy="307777"/>
+          </a:xfrm>
+          <a:prstGeom prst="rect">
+            <a:avLst/>
+          </a:prstGeom>
+          <a:noFill/>
+        </p:spPr>
+        <p:txBody>
+          <a:bodyPr wrap="square" rtlCol="0">
+            <a:spAutoFit/>
+          </a:bodyPr>
+          <a:lstStyle/>
+          <a:p>
+            <a:r>
+              <a:rPr lang="ru-RU" b="1" dirty="0"/>
+              <a:t>Расчет:</a:t>
+            </a:r>
+            <a:endParaRPr lang="en-RU" dirty="0"/>
+          </a:p>
+        </p:txBody>
+      </p:sp>
+      <p:sp>
+        <p:nvSpPr>
+          <p:cNvPr id="10" name="TextBox 9">
+            <a:extLst>
+              <a:ext uri="{FF2B5EF4-FFF2-40B4-BE49-F238E27FC236}">
+                <a16:creationId xmlns:a16="http://schemas.microsoft.com/office/drawing/2014/main" id="{571C2B3F-B5A7-1B82-3EBD-25A4470D7561}"/>
+              </a:ext>
+            </a:extLst>
+          </p:cNvPr>
+          <p:cNvSpPr txBox="1"/>
+          <p:nvPr/>
+        </p:nvSpPr>
+        <p:spPr>
+          <a:xfrm>
+            <a:off x="599082" y="3188184"/>
+            <a:ext cx="6263271" cy="738664"/>
+          </a:xfrm>
+          <a:prstGeom prst="rect">
+            <a:avLst/>
+          </a:prstGeom>
+          <a:noFill/>
+        </p:spPr>
+        <p:txBody>
+          <a:bodyPr wrap="square">
+            <a:spAutoFit/>
+          </a:bodyPr>
+          <a:lstStyle/>
+          <a:p>
+            <a:pPr marL="285750" indent="-285750">
+              <a:buFont typeface="Arial" panose="020B0604020202020204" pitchFamily="34" charset="0"/>
+              <a:buChar char="•"/>
+            </a:pPr>
+            <a:r>
+              <a:rPr lang="en-GB" dirty="0" err="1"/>
+              <a:t>FCF</a:t>
+            </a:r>
+            <a:r>
+              <a:rPr lang="en-GB" baseline="-25000" dirty="0" err="1"/>
+              <a:t>n</a:t>
+            </a:r>
+            <a:r>
+              <a:rPr lang="en-GB" dirty="0"/>
+              <a:t>​ — </a:t>
+            </a:r>
+            <a:r>
+              <a:rPr lang="ru-RU" dirty="0"/>
+              <a:t>свободный денежный поток в последний прогнозный год</a:t>
+            </a:r>
+          </a:p>
+          <a:p>
+            <a:pPr marL="285750" indent="-285750">
+              <a:buFont typeface="Arial" panose="020B0604020202020204" pitchFamily="34" charset="0"/>
+              <a:buChar char="•"/>
+            </a:pPr>
+            <a:r>
+              <a:rPr lang="en-GB" dirty="0"/>
+              <a:t>g — </a:t>
+            </a:r>
+            <a:r>
+              <a:rPr lang="ru-RU" dirty="0"/>
+              <a:t>долгосрочный темп роста (обычно &lt; инфляции)</a:t>
+            </a:r>
+          </a:p>
+          <a:p>
+            <a:pPr marL="285750" indent="-285750">
+              <a:buFont typeface="Arial" panose="020B0604020202020204" pitchFamily="34" charset="0"/>
+              <a:buChar char="•"/>
+            </a:pPr>
+            <a:r>
+              <a:rPr lang="en-GB" dirty="0"/>
+              <a:t>r — </a:t>
+            </a:r>
+            <a:r>
+              <a:rPr lang="ru-RU" dirty="0"/>
+              <a:t>ставка дисконтирования</a:t>
+            </a:r>
+          </a:p>
+        </p:txBody>
+      </p:sp>
+      <p:sp>
+        <p:nvSpPr>
+          <p:cNvPr id="11" name="TextBox 10">
+            <a:extLst>
+              <a:ext uri="{FF2B5EF4-FFF2-40B4-BE49-F238E27FC236}">
+                <a16:creationId xmlns:a16="http://schemas.microsoft.com/office/drawing/2014/main" id="{B30B0E11-CCB5-EE17-0853-6E03FDACF30F}"/>
+              </a:ext>
+            </a:extLst>
+          </p:cNvPr>
+          <p:cNvSpPr txBox="1"/>
+          <p:nvPr/>
+        </p:nvSpPr>
+        <p:spPr>
+          <a:xfrm>
+            <a:off x="311699" y="2375994"/>
+            <a:ext cx="8360228" cy="307777"/>
+          </a:xfrm>
+          <a:prstGeom prst="rect">
+            <a:avLst/>
+          </a:prstGeom>
+          <a:noFill/>
+        </p:spPr>
+        <p:txBody>
+          <a:bodyPr wrap="square" rtlCol="0">
+            <a:spAutoFit/>
+          </a:bodyPr>
+          <a:lstStyle/>
+          <a:p>
+            <a:r>
+              <a:rPr lang="ru-RU" b="1" dirty="0"/>
+              <a:t>1. Метод постоянного роста </a:t>
+            </a:r>
+            <a:r>
+              <a:rPr lang="en-US" b="1" dirty="0"/>
+              <a:t>(Gordon Growth) </a:t>
+            </a:r>
+            <a:r>
+              <a:rPr lang="en-US" dirty="0"/>
+              <a:t>– </a:t>
+            </a:r>
+            <a:r>
+              <a:rPr lang="ru-RU" dirty="0"/>
+              <a:t>сумма ряда</a:t>
+            </a:r>
+            <a:endParaRPr lang="en-RU" dirty="0"/>
+          </a:p>
+        </p:txBody>
+      </p:sp>
+      <p:sp>
+        <p:nvSpPr>
+          <p:cNvPr id="12" name="TextBox 11">
+            <a:extLst>
+              <a:ext uri="{FF2B5EF4-FFF2-40B4-BE49-F238E27FC236}">
+                <a16:creationId xmlns:a16="http://schemas.microsoft.com/office/drawing/2014/main" id="{A79CADAB-5948-2B66-B416-7AB4D8843C05}"/>
+              </a:ext>
+            </a:extLst>
+          </p:cNvPr>
+          <p:cNvSpPr txBox="1"/>
+          <p:nvPr/>
+        </p:nvSpPr>
+        <p:spPr>
+          <a:xfrm>
+            <a:off x="311699" y="3926848"/>
+            <a:ext cx="8360228" cy="307777"/>
+          </a:xfrm>
+          <a:prstGeom prst="rect">
+            <a:avLst/>
+          </a:prstGeom>
+          <a:noFill/>
+        </p:spPr>
+        <p:txBody>
+          <a:bodyPr wrap="square" rtlCol="0">
+            <a:spAutoFit/>
+          </a:bodyPr>
+          <a:lstStyle/>
+          <a:p>
+            <a:r>
+              <a:rPr lang="ru-RU" b="1" dirty="0"/>
+              <a:t>2. Приведение к текущему году</a:t>
+            </a:r>
+            <a:endParaRPr lang="en-RU" dirty="0"/>
+          </a:p>
+        </p:txBody>
+      </p:sp>
+      <p:pic>
+        <p:nvPicPr>
+          <p:cNvPr id="13" name="Picture 12">
+            <a:extLst>
+              <a:ext uri="{FF2B5EF4-FFF2-40B4-BE49-F238E27FC236}">
+                <a16:creationId xmlns:a16="http://schemas.microsoft.com/office/drawing/2014/main" id="{4B5C39C5-1A93-D8BF-77E6-519AF20614B9}"/>
+              </a:ext>
+            </a:extLst>
+          </p:cNvPr>
+          <p:cNvPicPr>
+            <a:picLocks noChangeAspect="1"/>
+          </p:cNvPicPr>
+          <p:nvPr/>
+        </p:nvPicPr>
+        <p:blipFill>
+          <a:blip r:embed="rId4"/>
+          <a:stretch>
+            <a:fillRect/>
+          </a:stretch>
+        </p:blipFill>
+        <p:spPr>
+          <a:xfrm>
+            <a:off x="3483429" y="4150294"/>
+            <a:ext cx="1889760" cy="684821"/>
+          </a:xfrm>
+          <a:prstGeom prst="rect">
+            <a:avLst/>
+          </a:prstGeom>
+        </p:spPr>
+      </p:pic>
+    </p:spTree>
+    <p:extLst>
+      <p:ext uri="{BB962C8B-B14F-4D97-AF65-F5344CB8AC3E}">
+        <p14:creationId xmlns:p14="http://schemas.microsoft.com/office/powerpoint/2010/main" val="1882470344"/>
+      </p:ext>
+    </p:extLst>
+  </p:cSld>
+  <p:clrMapOvr>
+    <a:masterClrMapping/>
+  </p:clrMapOvr>
+</p:sld>
+</file>
+
+<file path=ppt/slides/slide15.xml><?xml version="1.0" encoding="utf-8"?>
+<p:sld xmlns:a="http://schemas.openxmlformats.org/drawingml/2006/main" xmlns:r="http://schemas.openxmlformats.org/officeDocument/2006/relationships" xmlns:p="http://schemas.openxmlformats.org/presentationml/2006/main">
+  <p:cSld>
+    <p:spTree>
+      <p:nvGrpSpPr>
+        <p:cNvPr id="1" name="Shape 59">
+          <a:extLst>
+            <a:ext uri="{FF2B5EF4-FFF2-40B4-BE49-F238E27FC236}">
               <a16:creationId xmlns:a16="http://schemas.microsoft.com/office/drawing/2014/main" id="{C3D0776D-490F-89A8-2620-E96EC635C5D8}"/>
             </a:ext>
           </a:extLst>
@@ -14115,8 +14639,8 @@
           </a:graphicData>
         </a:graphic>
       </p:graphicFrame>
-      <mc:AlternateContent xmlns:mc="http://schemas.openxmlformats.org/markup-compatibility/2006">
-        <mc:Choice xmlns:a14="http://schemas.microsoft.com/office/drawing/2010/main" Requires="a14">
+      <mc:AlternateContent xmlns:mc="http://schemas.openxmlformats.org/markup-compatibility/2006" xmlns:a14="http://schemas.microsoft.com/office/drawing/2010/main">
+        <mc:Choice Requires="a14">
           <p:sp>
             <p:nvSpPr>
               <p:cNvPr id="5" name="TextBox 4">
@@ -14260,7 +14784,7 @@
             </p:txBody>
           </p:sp>
         </mc:Choice>
-        <mc:Fallback>
+        <mc:Fallback xmlns="">
           <p:sp>
             <p:nvSpPr>
               <p:cNvPr id="5" name="TextBox 4">
@@ -14377,7 +14901,7 @@
 </p:sld>
 </file>
 
-<file path=ppt/slides/slide15.xml><?xml version="1.0" encoding="utf-8"?>
+<file path=ppt/slides/slide16.xml><?xml version="1.0" encoding="utf-8"?>
 <p:sld xmlns:a="http://schemas.openxmlformats.org/drawingml/2006/main" xmlns:r="http://schemas.openxmlformats.org/officeDocument/2006/relationships" xmlns:p="http://schemas.openxmlformats.org/presentationml/2006/main">
   <p:cSld>
     <p:spTree>
@@ -14452,8 +14976,8 @@
           </a:p>
         </p:txBody>
       </p:sp>
-      <mc:AlternateContent xmlns:mc="http://schemas.openxmlformats.org/markup-compatibility/2006">
-        <mc:Choice xmlns:a14="http://schemas.microsoft.com/office/drawing/2010/main" Requires="a14">
+      <mc:AlternateContent xmlns:mc="http://schemas.openxmlformats.org/markup-compatibility/2006" xmlns:a14="http://schemas.microsoft.com/office/drawing/2010/main">
+        <mc:Choice Requires="a14">
           <p:graphicFrame>
             <p:nvGraphicFramePr>
               <p:cNvPr id="2" name="Table 1">
@@ -15238,7 +15762,7 @@
             </a:graphic>
           </p:graphicFrame>
         </mc:Choice>
-        <mc:Fallback>
+        <mc:Fallback xmlns="">
           <p:graphicFrame>
             <p:nvGraphicFramePr>
               <p:cNvPr id="2" name="Table 1">
@@ -15956,8 +16480,8 @@
           </p:graphicFrame>
         </mc:Fallback>
       </mc:AlternateContent>
-      <mc:AlternateContent xmlns:mc="http://schemas.openxmlformats.org/markup-compatibility/2006">
-        <mc:Choice xmlns:a14="http://schemas.microsoft.com/office/drawing/2010/main" Requires="a14">
+      <mc:AlternateContent xmlns:mc="http://schemas.openxmlformats.org/markup-compatibility/2006" xmlns:a14="http://schemas.microsoft.com/office/drawing/2010/main">
+        <mc:Choice Requires="a14">
           <p:sp>
             <p:nvSpPr>
               <p:cNvPr id="3" name="TextBox 2">
@@ -15986,6 +16510,7 @@
               </a:bodyPr>
               <a:lstStyle/>
               <a:p>
+                <a:pPr/>
                 <a14:m>
                   <m:oMathPara xmlns:m="http://schemas.openxmlformats.org/officeDocument/2006/math">
                     <m:oMathParaPr>
@@ -16114,7 +16639,7 @@
             </p:txBody>
           </p:sp>
         </mc:Choice>
-        <mc:Fallback>
+        <mc:Fallback xmlns="">
           <p:sp>
             <p:nvSpPr>
               <p:cNvPr id="3" name="TextBox 2">
@@ -16224,7 +16749,7 @@
 </p:sld>
 </file>
 
-<file path=ppt/slides/slide16.xml><?xml version="1.0" encoding="utf-8"?>
+<file path=ppt/slides/slide17.xml><?xml version="1.0" encoding="utf-8"?>
 <p:sld xmlns:a="http://schemas.openxmlformats.org/drawingml/2006/main" xmlns:r="http://schemas.openxmlformats.org/officeDocument/2006/relationships" xmlns:p="http://schemas.openxmlformats.org/presentationml/2006/main">
   <p:cSld>
     <p:spTree>
@@ -16334,8 +16859,8 @@
           </a:p>
         </p:txBody>
       </p:sp>
-      <mc:AlternateContent xmlns:mc="http://schemas.openxmlformats.org/markup-compatibility/2006">
-        <mc:Choice xmlns:a14="http://schemas.microsoft.com/office/drawing/2010/main" Requires="a14">
+      <mc:AlternateContent xmlns:mc="http://schemas.openxmlformats.org/markup-compatibility/2006" xmlns:a14="http://schemas.microsoft.com/office/drawing/2010/main">
+        <mc:Choice Requires="a14">
           <p:sp>
             <p:nvSpPr>
               <p:cNvPr id="3" name="TextBox 2">
@@ -16364,6 +16889,7 @@
               </a:bodyPr>
               <a:lstStyle/>
               <a:p>
+                <a:pPr/>
                 <a14:m>
                   <m:oMathPara xmlns:m="http://schemas.openxmlformats.org/officeDocument/2006/math">
                     <m:oMathParaPr>
@@ -16492,7 +17018,7 @@
             </p:txBody>
           </p:sp>
         </mc:Choice>
-        <mc:Fallback>
+        <mc:Fallback xmlns="">
           <p:sp>
             <p:nvSpPr>
               <p:cNvPr id="3" name="TextBox 2">
@@ -16686,7 +17212,7 @@
 </p:sld>
 </file>
 
-<file path=ppt/slides/slide17.xml><?xml version="1.0" encoding="utf-8"?>
+<file path=ppt/slides/slide18.xml><?xml version="1.0" encoding="utf-8"?>
 <p:sld xmlns:a="http://schemas.openxmlformats.org/drawingml/2006/main" xmlns:r="http://schemas.openxmlformats.org/officeDocument/2006/relationships" xmlns:p="http://schemas.openxmlformats.org/presentationml/2006/main">
   <p:cSld>
     <p:spTree>
@@ -16989,7 +17515,7 @@
 </p:sld>
 </file>
 
-<file path=ppt/slides/slide18.xml><?xml version="1.0" encoding="utf-8"?>
+<file path=ppt/slides/slide19.xml><?xml version="1.0" encoding="utf-8"?>
 <p:sld xmlns:a="http://schemas.openxmlformats.org/drawingml/2006/main" xmlns:r="http://schemas.openxmlformats.org/officeDocument/2006/relationships" xmlns:p="http://schemas.openxmlformats.org/presentationml/2006/main">
   <p:cSld>
     <p:spTree>
@@ -17160,7 +17686,171 @@
 </p:sld>
 </file>
 
-<file path=ppt/slides/slide19.xml><?xml version="1.0" encoding="utf-8"?>
+<file path=ppt/slides/slide2.xml><?xml version="1.0" encoding="utf-8"?>
+<p:sld xmlns:a="http://schemas.openxmlformats.org/drawingml/2006/main" xmlns:r="http://schemas.openxmlformats.org/officeDocument/2006/relationships" xmlns:p="http://schemas.openxmlformats.org/presentationml/2006/main">
+  <p:cSld>
+    <p:spTree>
+      <p:nvGrpSpPr>
+        <p:cNvPr id="1" name="Shape 53">
+          <a:extLst>
+            <a:ext uri="{FF2B5EF4-FFF2-40B4-BE49-F238E27FC236}">
+              <a16:creationId xmlns:a16="http://schemas.microsoft.com/office/drawing/2014/main" id="{3A5B9C11-D2F6-C3C7-7F7E-C9C23587B681}"/>
+            </a:ext>
+          </a:extLst>
+        </p:cNvPr>
+        <p:cNvGrpSpPr/>
+        <p:nvPr/>
+      </p:nvGrpSpPr>
+      <p:grpSpPr>
+        <a:xfrm>
+          <a:off x="0" y="0"/>
+          <a:ext cx="0" cy="0"/>
+          <a:chOff x="0" y="0"/>
+          <a:chExt cx="0" cy="0"/>
+        </a:xfrm>
+      </p:grpSpPr>
+      <p:sp>
+        <p:nvSpPr>
+          <p:cNvPr id="6" name="TextBox 5">
+            <a:extLst>
+              <a:ext uri="{FF2B5EF4-FFF2-40B4-BE49-F238E27FC236}">
+                <a16:creationId xmlns:a16="http://schemas.microsoft.com/office/drawing/2014/main" id="{494D0B77-1F81-6335-A84F-05419FA3264D}"/>
+              </a:ext>
+            </a:extLst>
+          </p:cNvPr>
+          <p:cNvSpPr txBox="1"/>
+          <p:nvPr/>
+        </p:nvSpPr>
+        <p:spPr>
+          <a:xfrm>
+            <a:off x="3326004" y="1276140"/>
+            <a:ext cx="5355772" cy="2585323"/>
+          </a:xfrm>
+          <a:prstGeom prst="rect">
+            <a:avLst/>
+          </a:prstGeom>
+          <a:noFill/>
+        </p:spPr>
+        <p:txBody>
+          <a:bodyPr wrap="square" rtlCol="0">
+            <a:spAutoFit/>
+          </a:bodyPr>
+          <a:lstStyle/>
+          <a:p>
+            <a:pPr>
+              <a:spcAft>
+                <a:spcPts val="1200"/>
+              </a:spcAft>
+            </a:pPr>
+            <a:r>
+              <a:rPr lang="ru-RU" sz="1800" b="1" dirty="0"/>
+              <a:t>План разговора</a:t>
+            </a:r>
+          </a:p>
+          <a:p>
+            <a:pPr marL="342900" indent="-342900">
+              <a:spcAft>
+                <a:spcPts val="1200"/>
+              </a:spcAft>
+              <a:buFont typeface="+mj-lt"/>
+              <a:buAutoNum type="arabicPeriod"/>
+            </a:pPr>
+            <a:r>
+              <a:rPr lang="ru-RU" dirty="0"/>
+              <a:t>Зачем нужно понимать финансовое моделирование</a:t>
+            </a:r>
+          </a:p>
+          <a:p>
+            <a:pPr marL="342900" indent="-342900">
+              <a:spcAft>
+                <a:spcPts val="1200"/>
+              </a:spcAft>
+              <a:buFont typeface="+mj-lt"/>
+              <a:buAutoNum type="arabicPeriod"/>
+            </a:pPr>
+            <a:r>
+              <a:rPr lang="ru-RU" dirty="0"/>
+              <a:t>От простого к сложному</a:t>
+            </a:r>
+          </a:p>
+          <a:p>
+            <a:pPr marL="342900" indent="-342900">
+              <a:spcAft>
+                <a:spcPts val="1200"/>
+              </a:spcAft>
+              <a:buFont typeface="+mj-lt"/>
+              <a:buAutoNum type="arabicPeriod"/>
+            </a:pPr>
+            <a:r>
+              <a:rPr lang="ru-RU" dirty="0"/>
+              <a:t>Модель </a:t>
+            </a:r>
+            <a:r>
+              <a:rPr lang="en-US" dirty="0"/>
+              <a:t>DCF</a:t>
+            </a:r>
+            <a:r>
+              <a:rPr lang="ru-RU" dirty="0"/>
+              <a:t> и принципы финансового моделирования</a:t>
+            </a:r>
+            <a:endParaRPr lang="en-US" dirty="0"/>
+          </a:p>
+          <a:p>
+            <a:pPr marL="342900" indent="-342900">
+              <a:spcAft>
+                <a:spcPts val="1200"/>
+              </a:spcAft>
+              <a:buFont typeface="+mj-lt"/>
+              <a:buAutoNum type="arabicPeriod"/>
+            </a:pPr>
+            <a:r>
+              <a:rPr lang="ru-RU" dirty="0"/>
+              <a:t>Как сравнивать различные проекты</a:t>
+            </a:r>
+          </a:p>
+          <a:p>
+            <a:pPr marL="342900" indent="-342900">
+              <a:spcAft>
+                <a:spcPts val="1200"/>
+              </a:spcAft>
+              <a:buFont typeface="+mj-lt"/>
+              <a:buAutoNum type="arabicPeriod"/>
+            </a:pPr>
+            <a:r>
+              <a:rPr lang="ru-RU" dirty="0"/>
+              <a:t>Стадии жизни стартапа</a:t>
+            </a:r>
+          </a:p>
+          <a:p>
+            <a:pPr marL="342900" indent="-342900">
+              <a:spcAft>
+                <a:spcPts val="1200"/>
+              </a:spcAft>
+              <a:buFont typeface="+mj-lt"/>
+              <a:buAutoNum type="arabicPeriod"/>
+            </a:pPr>
+            <a:r>
+              <a:rPr lang="ru-RU" dirty="0"/>
+              <a:t>Метод мультипликаторов</a:t>
+            </a:r>
+            <a:endParaRPr lang="en-US" dirty="0"/>
+          </a:p>
+        </p:txBody>
+      </p:sp>
+    </p:spTree>
+    <p:extLst>
+      <p:ext uri="{BB962C8B-B14F-4D97-AF65-F5344CB8AC3E}">
+        <p14:creationId xmlns:p14="http://schemas.microsoft.com/office/powerpoint/2010/main" val="3183270445"/>
+      </p:ext>
+    </p:extLst>
+  </p:cSld>
+  <p:clrMapOvr>
+    <a:masterClrMapping/>
+  </p:clrMapOvr>
+</p:sld>
+</file>
+
+<file path=ppt/slides/slide20.xml><?xml version="1.0" encoding="utf-8"?>
 <p:sld xmlns:a="http://schemas.openxmlformats.org/drawingml/2006/main" xmlns:r="http://schemas.openxmlformats.org/officeDocument/2006/relationships" xmlns:p="http://schemas.openxmlformats.org/presentationml/2006/main">
   <p:cSld>
     <p:spTree>
@@ -17429,166 +18119,7 @@
 </p:sld>
 </file>
 
-<file path=ppt/slides/slide2.xml><?xml version="1.0" encoding="utf-8"?>
-<p:sld xmlns:a="http://schemas.openxmlformats.org/drawingml/2006/main" xmlns:r="http://schemas.openxmlformats.org/officeDocument/2006/relationships" xmlns:p="http://schemas.openxmlformats.org/presentationml/2006/main">
-  <p:cSld>
-    <p:spTree>
-      <p:nvGrpSpPr>
-        <p:cNvPr id="1" name="Shape 53">
-          <a:extLst>
-            <a:ext uri="{FF2B5EF4-FFF2-40B4-BE49-F238E27FC236}">
-              <a16:creationId xmlns:a16="http://schemas.microsoft.com/office/drawing/2014/main" id="{3A5B9C11-D2F6-C3C7-7F7E-C9C23587B681}"/>
-            </a:ext>
-          </a:extLst>
-        </p:cNvPr>
-        <p:cNvGrpSpPr/>
-        <p:nvPr/>
-      </p:nvGrpSpPr>
-      <p:grpSpPr>
-        <a:xfrm>
-          <a:off x="0" y="0"/>
-          <a:ext cx="0" cy="0"/>
-          <a:chOff x="0" y="0"/>
-          <a:chExt cx="0" cy="0"/>
-        </a:xfrm>
-      </p:grpSpPr>
-      <p:sp>
-        <p:nvSpPr>
-          <p:cNvPr id="6" name="TextBox 5">
-            <a:extLst>
-              <a:ext uri="{FF2B5EF4-FFF2-40B4-BE49-F238E27FC236}">
-                <a16:creationId xmlns:a16="http://schemas.microsoft.com/office/drawing/2014/main" id="{494D0B77-1F81-6335-A84F-05419FA3264D}"/>
-              </a:ext>
-            </a:extLst>
-          </p:cNvPr>
-          <p:cNvSpPr txBox="1"/>
-          <p:nvPr/>
-        </p:nvSpPr>
-        <p:spPr>
-          <a:xfrm>
-            <a:off x="3326004" y="1276140"/>
-            <a:ext cx="5355772" cy="2585323"/>
-          </a:xfrm>
-          <a:prstGeom prst="rect">
-            <a:avLst/>
-          </a:prstGeom>
-          <a:noFill/>
-        </p:spPr>
-        <p:txBody>
-          <a:bodyPr wrap="square" rtlCol="0">
-            <a:spAutoFit/>
-          </a:bodyPr>
-          <a:lstStyle/>
-          <a:p>
-            <a:pPr>
-              <a:spcAft>
-                <a:spcPts val="1200"/>
-              </a:spcAft>
-            </a:pPr>
-            <a:r>
-              <a:rPr lang="ru-RU" sz="1800" b="1" dirty="0"/>
-              <a:t>План разговора</a:t>
-            </a:r>
-          </a:p>
-          <a:p>
-            <a:pPr marL="342900" indent="-342900">
-              <a:spcAft>
-                <a:spcPts val="1200"/>
-              </a:spcAft>
-              <a:buFont typeface="+mj-lt"/>
-              <a:buAutoNum type="arabicPeriod"/>
-            </a:pPr>
-            <a:r>
-              <a:rPr lang="ru-RU" dirty="0"/>
-              <a:t>Зачем нужно понимать финансовое моделирование</a:t>
-            </a:r>
-          </a:p>
-          <a:p>
-            <a:pPr marL="342900" indent="-342900">
-              <a:spcAft>
-                <a:spcPts val="1200"/>
-              </a:spcAft>
-              <a:buFont typeface="+mj-lt"/>
-              <a:buAutoNum type="arabicPeriod"/>
-            </a:pPr>
-            <a:r>
-              <a:rPr lang="ru-RU" dirty="0"/>
-              <a:t>От простого к сложному</a:t>
-            </a:r>
-          </a:p>
-          <a:p>
-            <a:pPr marL="342900" indent="-342900">
-              <a:spcAft>
-                <a:spcPts val="1200"/>
-              </a:spcAft>
-              <a:buFont typeface="+mj-lt"/>
-              <a:buAutoNum type="arabicPeriod"/>
-            </a:pPr>
-            <a:r>
-              <a:rPr lang="ru-RU" dirty="0"/>
-              <a:t>Модель </a:t>
-            </a:r>
-            <a:r>
-              <a:rPr lang="en-US" dirty="0"/>
-              <a:t>DCF</a:t>
-            </a:r>
-          </a:p>
-          <a:p>
-            <a:pPr marL="342900" indent="-342900">
-              <a:spcAft>
-                <a:spcPts val="1200"/>
-              </a:spcAft>
-              <a:buFont typeface="+mj-lt"/>
-              <a:buAutoNum type="arabicPeriod"/>
-            </a:pPr>
-            <a:r>
-              <a:rPr lang="ru-RU" dirty="0"/>
-              <a:t>Как сравнивать различные проекты</a:t>
-            </a:r>
-          </a:p>
-          <a:p>
-            <a:pPr marL="342900" indent="-342900">
-              <a:spcAft>
-                <a:spcPts val="1200"/>
-              </a:spcAft>
-              <a:buFont typeface="+mj-lt"/>
-              <a:buAutoNum type="arabicPeriod"/>
-            </a:pPr>
-            <a:r>
-              <a:rPr lang="ru-RU" dirty="0"/>
-              <a:t>Стадии жизни стартапа</a:t>
-            </a:r>
-          </a:p>
-          <a:p>
-            <a:pPr marL="342900" indent="-342900">
-              <a:spcAft>
-                <a:spcPts val="1200"/>
-              </a:spcAft>
-              <a:buFont typeface="+mj-lt"/>
-              <a:buAutoNum type="arabicPeriod"/>
-            </a:pPr>
-            <a:r>
-              <a:rPr lang="ru-RU" dirty="0"/>
-              <a:t>Метод мультипликаторов</a:t>
-            </a:r>
-            <a:endParaRPr lang="en-US" dirty="0"/>
-          </a:p>
-        </p:txBody>
-      </p:sp>
-    </p:spTree>
-    <p:extLst>
-      <p:ext uri="{BB962C8B-B14F-4D97-AF65-F5344CB8AC3E}">
-        <p14:creationId xmlns:p14="http://schemas.microsoft.com/office/powerpoint/2010/main" val="3183270445"/>
-      </p:ext>
-    </p:extLst>
-  </p:cSld>
-  <p:clrMapOvr>
-    <a:masterClrMapping/>
-  </p:clrMapOvr>
-</p:sld>
-</file>
-
-<file path=ppt/slides/slide20.xml><?xml version="1.0" encoding="utf-8"?>
+<file path=ppt/slides/slide21.xml><?xml version="1.0" encoding="utf-8"?>
 <p:sld xmlns:a="http://schemas.openxmlformats.org/drawingml/2006/main" xmlns:r="http://schemas.openxmlformats.org/officeDocument/2006/relationships" xmlns:p="http://schemas.openxmlformats.org/presentationml/2006/main">
   <p:cSld>
     <p:spTree>
@@ -17742,7 +18273,7 @@
         </p:nvSpPr>
         <p:spPr>
           <a:xfrm>
-            <a:off x="311700" y="2689278"/>
+            <a:off x="311700" y="2697987"/>
             <a:ext cx="8058778" cy="830997"/>
           </a:xfrm>
           <a:prstGeom prst="rect">
@@ -17795,7 +18326,7 @@
 </p:sld>
 </file>
 
-<file path=ppt/slides/slide21.xml><?xml version="1.0" encoding="utf-8"?>
+<file path=ppt/slides/slide22.xml><?xml version="1.0" encoding="utf-8"?>
 <p:sld xmlns:a="http://schemas.openxmlformats.org/drawingml/2006/main" xmlns:r="http://schemas.openxmlformats.org/officeDocument/2006/relationships" xmlns:p="http://schemas.openxmlformats.org/presentationml/2006/main">
   <p:cSld>
     <p:spTree>
@@ -18096,7 +18627,7 @@
 </p:sld>
 </file>
 
-<file path=ppt/slides/slide22.xml><?xml version="1.0" encoding="utf-8"?>
+<file path=ppt/slides/slide23.xml><?xml version="1.0" encoding="utf-8"?>
 <p:sld xmlns:a="http://schemas.openxmlformats.org/drawingml/2006/main" xmlns:r="http://schemas.openxmlformats.org/officeDocument/2006/relationships" xmlns:p="http://schemas.openxmlformats.org/presentationml/2006/main">
   <p:cSld>
     <p:spTree>
